--- a/NEW_DBMS교안/14. 기본 SQL 작성하기_DQL 활용_2.pptx
+++ b/NEW_DBMS교안/14. 기본 SQL 작성하기_DQL 활용_2.pptx
@@ -226,7 +226,7 @@
           <a:p>
             <a:fld id="{E150CED1-0BD3-437E-982C-E8005E10CB37}" type="datetimeFigureOut">
               <a:rPr lang="ko-KR" altLang="en-US" smtClean="0"/>
-              <a:t>2021-03-31</a:t>
+              <a:t>2021-04-05</a:t>
             </a:fld>
             <a:endParaRPr lang="ko-KR" altLang="en-US"/>
           </a:p>
@@ -2486,9 +2486,73 @@
             </a:r>
             <a:r>
               <a:rPr lang="ko-KR" altLang="en-US" b="1" dirty="0" smtClean="0"/>
-              <a:t>문 실행 순서</a:t>
-            </a:r>
-            <a:endParaRPr lang="ko-KR" altLang="en-US" b="1" dirty="0"/>
+              <a:t>문 실행 </a:t>
+            </a:r>
+            <a:r>
+              <a:rPr lang="ko-KR" altLang="en-US" b="1" dirty="0"/>
+              <a:t>순서 </a:t>
+            </a:r>
+            <a:r>
+              <a:rPr lang="ko-KR" altLang="en-US" b="1" dirty="0">
+                <a:solidFill>
+                  <a:srgbClr val="FF0000"/>
+                </a:solidFill>
+              </a:rPr>
+              <a:t>★ </a:t>
+            </a:r>
+            <a:r>
+              <a:rPr lang="ko-KR" altLang="en-US" b="1" dirty="0" smtClean="0">
+                <a:solidFill>
+                  <a:srgbClr val="FF0000"/>
+                </a:solidFill>
+              </a:rPr>
+              <a:t>★</a:t>
+            </a:r>
+            <a:r>
+              <a:rPr lang="ko-KR" altLang="en-US" b="1" dirty="0">
+                <a:solidFill>
+                  <a:srgbClr val="FF0000"/>
+                </a:solidFill>
+              </a:rPr>
+              <a:t> </a:t>
+            </a:r>
+            <a:r>
+              <a:rPr lang="ko-KR" altLang="en-US" b="1" dirty="0" smtClean="0">
+                <a:solidFill>
+                  <a:srgbClr val="FF0000"/>
+                </a:solidFill>
+              </a:rPr>
+              <a:t>★</a:t>
+            </a:r>
+            <a:r>
+              <a:rPr lang="ko-KR" altLang="en-US" b="1" dirty="0">
+                <a:solidFill>
+                  <a:srgbClr val="FF0000"/>
+                </a:solidFill>
+              </a:rPr>
+              <a:t> </a:t>
+            </a:r>
+            <a:r>
+              <a:rPr lang="ko-KR" altLang="en-US" b="1" dirty="0" smtClean="0">
+                <a:solidFill>
+                  <a:srgbClr val="FF0000"/>
+                </a:solidFill>
+              </a:rPr>
+              <a:t>★</a:t>
+            </a:r>
+            <a:r>
+              <a:rPr lang="ko-KR" altLang="en-US" b="1" dirty="0">
+                <a:solidFill>
+                  <a:srgbClr val="FF0000"/>
+                </a:solidFill>
+              </a:rPr>
+              <a:t> ★</a:t>
+            </a:r>
+            <a:endParaRPr lang="ko-KR" altLang="en-US" b="1" dirty="0">
+              <a:solidFill>
+                <a:srgbClr val="FF0000"/>
+              </a:solidFill>
+            </a:endParaRPr>
           </a:p>
         </p:txBody>
       </p:sp>

--- a/NEW_DBMS교안/14. 기본 SQL 작성하기_DQL 활용_2.pptx
+++ b/NEW_DBMS교안/14. 기본 SQL 작성하기_DQL 활용_2.pptx
@@ -226,7 +226,7 @@
           <a:p>
             <a:fld id="{E150CED1-0BD3-437E-982C-E8005E10CB37}" type="datetimeFigureOut">
               <a:rPr lang="ko-KR" altLang="en-US" smtClean="0"/>
-              <a:t>2021-04-05</a:t>
+              <a:t>2021-04-06</a:t>
             </a:fld>
             <a:endParaRPr lang="ko-KR" altLang="en-US"/>
           </a:p>
@@ -2548,11 +2548,6 @@
               </a:rPr>
               <a:t> ★</a:t>
             </a:r>
-            <a:endParaRPr lang="ko-KR" altLang="en-US" b="1" dirty="0">
-              <a:solidFill>
-                <a:srgbClr val="FF0000"/>
-              </a:solidFill>
-            </a:endParaRPr>
           </a:p>
         </p:txBody>
       </p:sp>
@@ -3068,6 +3063,144 @@
           </a:p>
         </p:txBody>
       </p:sp>
+      <p:sp>
+        <p:nvSpPr>
+          <p:cNvPr id="8" name="모서리가 둥근 직사각형 7"/>
+          <p:cNvSpPr/>
+          <p:nvPr/>
+        </p:nvSpPr>
+        <p:spPr>
+          <a:xfrm>
+            <a:off x="755576" y="2060848"/>
+            <a:ext cx="1728192" cy="349330"/>
+          </a:xfrm>
+          <a:prstGeom prst="roundRect">
+            <a:avLst/>
+          </a:prstGeom>
+          <a:noFill/>
+          <a:ln>
+            <a:solidFill>
+              <a:srgbClr val="FF0000"/>
+            </a:solidFill>
+          </a:ln>
+        </p:spPr>
+        <p:style>
+          <a:lnRef idx="2">
+            <a:schemeClr val="accent1">
+              <a:shade val="50000"/>
+            </a:schemeClr>
+          </a:lnRef>
+          <a:fillRef idx="1">
+            <a:schemeClr val="accent1"/>
+          </a:fillRef>
+          <a:effectRef idx="0">
+            <a:schemeClr val="accent1"/>
+          </a:effectRef>
+          <a:fontRef idx="minor">
+            <a:schemeClr val="lt1"/>
+          </a:fontRef>
+        </p:style>
+        <p:txBody>
+          <a:bodyPr rtlCol="0" anchor="ctr"/>
+          <a:lstStyle/>
+          <a:p>
+            <a:pPr algn="ctr"/>
+            <a:endParaRPr lang="ko-KR" altLang="en-US"/>
+          </a:p>
+        </p:txBody>
+      </p:sp>
+      <p:sp>
+        <p:nvSpPr>
+          <p:cNvPr id="9" name="모서리가 둥근 직사각형 8"/>
+          <p:cNvSpPr/>
+          <p:nvPr/>
+        </p:nvSpPr>
+        <p:spPr>
+          <a:xfrm>
+            <a:off x="755576" y="4807862"/>
+            <a:ext cx="1728192" cy="349330"/>
+          </a:xfrm>
+          <a:prstGeom prst="roundRect">
+            <a:avLst/>
+          </a:prstGeom>
+          <a:noFill/>
+          <a:ln>
+            <a:solidFill>
+              <a:srgbClr val="FF0000"/>
+            </a:solidFill>
+          </a:ln>
+        </p:spPr>
+        <p:style>
+          <a:lnRef idx="2">
+            <a:schemeClr val="accent1">
+              <a:shade val="50000"/>
+            </a:schemeClr>
+          </a:lnRef>
+          <a:fillRef idx="1">
+            <a:schemeClr val="accent1"/>
+          </a:fillRef>
+          <a:effectRef idx="0">
+            <a:schemeClr val="accent1"/>
+          </a:effectRef>
+          <a:fontRef idx="minor">
+            <a:schemeClr val="lt1"/>
+          </a:fontRef>
+        </p:style>
+        <p:txBody>
+          <a:bodyPr rtlCol="0" anchor="ctr"/>
+          <a:lstStyle/>
+          <a:p>
+            <a:pPr algn="ctr"/>
+            <a:endParaRPr lang="ko-KR" altLang="en-US"/>
+          </a:p>
+        </p:txBody>
+      </p:sp>
+      <p:sp>
+        <p:nvSpPr>
+          <p:cNvPr id="10" name="모서리가 둥근 직사각형 9"/>
+          <p:cNvSpPr/>
+          <p:nvPr/>
+        </p:nvSpPr>
+        <p:spPr>
+          <a:xfrm>
+            <a:off x="755576" y="2733036"/>
+            <a:ext cx="1728192" cy="349330"/>
+          </a:xfrm>
+          <a:prstGeom prst="roundRect">
+            <a:avLst/>
+          </a:prstGeom>
+          <a:noFill/>
+          <a:ln>
+            <a:solidFill>
+              <a:srgbClr val="FF0000"/>
+            </a:solidFill>
+          </a:ln>
+        </p:spPr>
+        <p:style>
+          <a:lnRef idx="2">
+            <a:schemeClr val="accent1">
+              <a:shade val="50000"/>
+            </a:schemeClr>
+          </a:lnRef>
+          <a:fillRef idx="1">
+            <a:schemeClr val="accent1"/>
+          </a:fillRef>
+          <a:effectRef idx="0">
+            <a:schemeClr val="accent1"/>
+          </a:effectRef>
+          <a:fontRef idx="minor">
+            <a:schemeClr val="lt1"/>
+          </a:fontRef>
+        </p:style>
+        <p:txBody>
+          <a:bodyPr rtlCol="0" anchor="ctr"/>
+          <a:lstStyle/>
+          <a:p>
+            <a:pPr algn="ctr"/>
+            <a:endParaRPr lang="ko-KR" altLang="en-US"/>
+          </a:p>
+        </p:txBody>
+      </p:sp>
     </p:spTree>
     <p:extLst>
       <p:ext uri="{BB962C8B-B14F-4D97-AF65-F5344CB8AC3E}">
@@ -3210,8 +3343,16 @@
               <a:buAutoNum type="arabicPeriod"/>
             </a:pPr>
             <a:r>
-              <a:rPr lang="en-US" altLang="ko-KR" b="0" dirty="0" smtClean="0"/>
-              <a:t>WHERE code = ‘100’;  (GOOD)</a:t>
+              <a:rPr lang="en-US" altLang="ko-KR" b="1" dirty="0" smtClean="0"/>
+              <a:t>WHERE code = ‘100’;  </a:t>
+            </a:r>
+            <a:r>
+              <a:rPr lang="en-US" altLang="ko-KR" b="1" dirty="0" smtClean="0">
+                <a:solidFill>
+                  <a:srgbClr val="FF0000"/>
+                </a:solidFill>
+              </a:rPr>
+              <a:t>(GOOD)</a:t>
             </a:r>
           </a:p>
           <a:p>
@@ -3223,8 +3364,16 @@
               <a:buAutoNum type="arabicPeriod"/>
             </a:pPr>
             <a:r>
-              <a:rPr lang="en-US" altLang="ko-KR" b="0" dirty="0" smtClean="0"/>
-              <a:t>WHERE TO_NUMBER(code) = 100;  (BAD)</a:t>
+              <a:rPr lang="en-US" altLang="ko-KR" b="1" dirty="0" smtClean="0"/>
+              <a:t>WHERE TO_NUMBER(code) = 100;  </a:t>
+            </a:r>
+            <a:r>
+              <a:rPr lang="en-US" altLang="ko-KR" b="1" dirty="0" smtClean="0">
+                <a:solidFill>
+                  <a:srgbClr val="FF0000"/>
+                </a:solidFill>
+              </a:rPr>
+              <a:t>(BAD)</a:t>
             </a:r>
           </a:p>
           <a:p>
@@ -3257,14 +3406,14 @@
               <a:buAutoNum type="arabicPeriod"/>
             </a:pPr>
             <a:r>
-              <a:rPr lang="en-US" altLang="ko-KR" b="0" dirty="0" smtClean="0"/>
+              <a:rPr lang="en-US" altLang="ko-KR" b="1" dirty="0" smtClean="0"/>
               <a:t>PK </a:t>
             </a:r>
             <a:r>
-              <a:rPr lang="ko-KR" altLang="en-US" b="0" dirty="0" smtClean="0"/>
+              <a:rPr lang="ko-KR" altLang="en-US" b="1" dirty="0" smtClean="0"/>
               <a:t>로 설정한 칼럼</a:t>
             </a:r>
-            <a:endParaRPr lang="en-US" altLang="ko-KR" b="0" dirty="0" smtClean="0"/>
+            <a:endParaRPr lang="en-US" altLang="ko-KR" b="1" dirty="0" smtClean="0"/>
           </a:p>
           <a:p>
             <a:pPr lvl="3" indent="-342900">
@@ -3275,10 +3424,26 @@
               <a:buAutoNum type="arabicPeriod"/>
             </a:pPr>
             <a:r>
-              <a:rPr lang="ko-KR" altLang="en-US" b="0" dirty="0" smtClean="0"/>
-              <a:t>별도의 인덱스를 지정한 칼럼</a:t>
-            </a:r>
-            <a:endParaRPr lang="en-US" altLang="ko-KR" b="0" dirty="0" smtClean="0"/>
+              <a:rPr lang="ko-KR" altLang="en-US" b="1" dirty="0" smtClean="0"/>
+              <a:t>별도의 인덱스를 지정한 </a:t>
+            </a:r>
+            <a:r>
+              <a:rPr lang="ko-KR" altLang="en-US" b="1" dirty="0" smtClean="0"/>
+              <a:t>칼럼</a:t>
+            </a:r>
+            <a:r>
+              <a:rPr lang="en-US" altLang="ko-KR" sz="1200" b="1" dirty="0" smtClean="0"/>
+              <a:t>(</a:t>
+            </a:r>
+            <a:r>
+              <a:rPr lang="ko-KR" altLang="en-US" sz="1200" b="1" dirty="0" smtClean="0"/>
+              <a:t>인덱스는 중복이 별로 없는 데이터로 사용</a:t>
+            </a:r>
+            <a:r>
+              <a:rPr lang="en-US" altLang="ko-KR" sz="1200" b="1" dirty="0" smtClean="0"/>
+              <a:t>)</a:t>
+            </a:r>
+            <a:endParaRPr lang="en-US" altLang="ko-KR" sz="1200" b="1" dirty="0" smtClean="0"/>
           </a:p>
           <a:p>
             <a:pPr marL="342900" indent="-342900">
@@ -3756,6 +3921,90 @@
               <a:t>]</a:t>
             </a:r>
             <a:endParaRPr lang="ko-KR" altLang="en-US" b="1" dirty="0"/>
+          </a:p>
+        </p:txBody>
+      </p:sp>
+      <p:sp>
+        <p:nvSpPr>
+          <p:cNvPr id="7" name="직사각형 6"/>
+          <p:cNvSpPr/>
+          <p:nvPr/>
+        </p:nvSpPr>
+        <p:spPr>
+          <a:xfrm>
+            <a:off x="4139952" y="3140968"/>
+            <a:ext cx="3024336" cy="288032"/>
+          </a:xfrm>
+          <a:prstGeom prst="rect">
+            <a:avLst/>
+          </a:prstGeom>
+          <a:noFill/>
+          <a:ln w="28575">
+            <a:solidFill>
+              <a:srgbClr val="FF0000"/>
+            </a:solidFill>
+          </a:ln>
+        </p:spPr>
+        <p:style>
+          <a:lnRef idx="2">
+            <a:schemeClr val="accent1">
+              <a:shade val="50000"/>
+            </a:schemeClr>
+          </a:lnRef>
+          <a:fillRef idx="1">
+            <a:schemeClr val="accent1"/>
+          </a:fillRef>
+          <a:effectRef idx="0">
+            <a:schemeClr val="accent1"/>
+          </a:effectRef>
+          <a:fontRef idx="minor">
+            <a:schemeClr val="lt1"/>
+          </a:fontRef>
+        </p:style>
+        <p:txBody>
+          <a:bodyPr rtlCol="0" anchor="ctr"/>
+          <a:lstStyle/>
+          <a:p>
+            <a:pPr algn="ctr"/>
+            <a:endParaRPr lang="ko-KR" altLang="en-US"/>
+          </a:p>
+        </p:txBody>
+      </p:sp>
+      <p:sp>
+        <p:nvSpPr>
+          <p:cNvPr id="8" name="TextBox 7"/>
+          <p:cNvSpPr txBox="1"/>
+          <p:nvPr/>
+        </p:nvSpPr>
+        <p:spPr>
+          <a:xfrm>
+            <a:off x="5076056" y="2938155"/>
+            <a:ext cx="2628715" cy="261610"/>
+          </a:xfrm>
+          <a:prstGeom prst="rect">
+            <a:avLst/>
+          </a:prstGeom>
+          <a:noFill/>
+        </p:spPr>
+        <p:txBody>
+          <a:bodyPr wrap="square" rtlCol="0">
+            <a:spAutoFit/>
+          </a:bodyPr>
+          <a:lstStyle/>
+          <a:p>
+            <a:r>
+              <a:rPr lang="en-US" altLang="ko-KR" sz="1050" b="1" dirty="0" smtClean="0">
+                <a:solidFill>
+                  <a:srgbClr val="FF0000"/>
+                </a:solidFill>
+              </a:rPr>
+              <a:t>SUM, AVG, MAX, MIN, COUNT</a:t>
+            </a:r>
+            <a:endParaRPr lang="ko-KR" altLang="en-US" sz="1050" b="1" dirty="0">
+              <a:solidFill>
+                <a:srgbClr val="FF0000"/>
+              </a:solidFill>
+            </a:endParaRPr>
           </a:p>
         </p:txBody>
       </p:sp>
@@ -4626,6 +4875,114 @@
           </a:graphicData>
         </a:graphic>
       </p:graphicFrame>
+      <p:sp>
+        <p:nvSpPr>
+          <p:cNvPr id="8" name="직사각형 7"/>
+          <p:cNvSpPr/>
+          <p:nvPr/>
+        </p:nvSpPr>
+        <p:spPr>
+          <a:xfrm>
+            <a:off x="755576" y="1484784"/>
+            <a:ext cx="7853496" cy="3096344"/>
+          </a:xfrm>
+          <a:prstGeom prst="rect">
+            <a:avLst/>
+          </a:prstGeom>
+          <a:noFill/>
+          <a:ln w="38100">
+            <a:solidFill>
+              <a:srgbClr val="FF0000"/>
+            </a:solidFill>
+          </a:ln>
+        </p:spPr>
+        <p:style>
+          <a:lnRef idx="2">
+            <a:schemeClr val="accent1">
+              <a:shade val="50000"/>
+            </a:schemeClr>
+          </a:lnRef>
+          <a:fillRef idx="1">
+            <a:schemeClr val="accent1"/>
+          </a:fillRef>
+          <a:effectRef idx="0">
+            <a:schemeClr val="accent1"/>
+          </a:effectRef>
+          <a:fontRef idx="minor">
+            <a:schemeClr val="lt1"/>
+          </a:fontRef>
+        </p:style>
+        <p:txBody>
+          <a:bodyPr rtlCol="0" anchor="ctr"/>
+          <a:lstStyle/>
+          <a:p>
+            <a:pPr algn="ctr"/>
+            <a:endParaRPr lang="ko-KR" altLang="en-US"/>
+          </a:p>
+        </p:txBody>
+      </p:sp>
+      <p:sp>
+        <p:nvSpPr>
+          <p:cNvPr id="9" name="TextBox 8"/>
+          <p:cNvSpPr txBox="1"/>
+          <p:nvPr/>
+        </p:nvSpPr>
+        <p:spPr>
+          <a:xfrm>
+            <a:off x="6070104" y="768373"/>
+            <a:ext cx="2628715" cy="261610"/>
+          </a:xfrm>
+          <a:prstGeom prst="rect">
+            <a:avLst/>
+          </a:prstGeom>
+          <a:noFill/>
+        </p:spPr>
+        <p:txBody>
+          <a:bodyPr wrap="square" rtlCol="0">
+            <a:spAutoFit/>
+          </a:bodyPr>
+          <a:lstStyle/>
+          <a:p>
+            <a:r>
+              <a:rPr lang="en-US" altLang="ko-KR" sz="1050" b="1" dirty="0" smtClean="0">
+                <a:solidFill>
+                  <a:srgbClr val="FF0000"/>
+                </a:solidFill>
+              </a:rPr>
+              <a:t>NVL</a:t>
+            </a:r>
+            <a:r>
+              <a:rPr lang="ko-KR" altLang="en-US" sz="1050" b="1" dirty="0" smtClean="0">
+                <a:solidFill>
+                  <a:srgbClr val="FF0000"/>
+                </a:solidFill>
+              </a:rPr>
+              <a:t>로 </a:t>
+            </a:r>
+            <a:r>
+              <a:rPr lang="en-US" altLang="ko-KR" sz="1050" b="1" dirty="0" smtClean="0">
+                <a:solidFill>
+                  <a:srgbClr val="FF0000"/>
+                </a:solidFill>
+              </a:rPr>
+              <a:t>NULL</a:t>
+            </a:r>
+            <a:r>
+              <a:rPr lang="ko-KR" altLang="en-US" sz="1050" b="1" dirty="0" smtClean="0">
+                <a:solidFill>
+                  <a:srgbClr val="FF0000"/>
+                </a:solidFill>
+              </a:rPr>
+              <a:t>값 포함시키는 것도 가능</a:t>
+            </a:r>
+            <a:endParaRPr lang="ko-KR" altLang="en-US" sz="1050" b="1" dirty="0">
+              <a:solidFill>
+                <a:srgbClr val="FF0000"/>
+              </a:solidFill>
+            </a:endParaRPr>
+          </a:p>
+        </p:txBody>
+      </p:sp>
     </p:spTree>
     <p:extLst>
       <p:ext uri="{BB962C8B-B14F-4D97-AF65-F5344CB8AC3E}">
@@ -4794,18 +5151,89 @@
           <a:p>
             <a:pPr lvl="2"/>
             <a:r>
-              <a:rPr lang="ko-KR" altLang="en-US" dirty="0" smtClean="0"/>
+              <a:rPr lang="ko-KR" altLang="en-US" b="1" dirty="0" smtClean="0">
+                <a:solidFill>
+                  <a:srgbClr val="FF0000"/>
+                </a:solidFill>
+              </a:rPr>
               <a:t>그룹화 전에 </a:t>
             </a:r>
             <a:r>
-              <a:rPr lang="en-US" altLang="ko-KR" dirty="0" smtClean="0"/>
+              <a:rPr lang="en-US" altLang="ko-KR" b="1" dirty="0" smtClean="0">
+                <a:solidFill>
+                  <a:srgbClr val="FF0000"/>
+                </a:solidFill>
+              </a:rPr>
               <a:t>WHERE </a:t>
             </a:r>
             <a:r>
-              <a:rPr lang="ko-KR" altLang="en-US" dirty="0" smtClean="0"/>
+              <a:rPr lang="ko-KR" altLang="en-US" b="1" dirty="0" smtClean="0">
+                <a:solidFill>
+                  <a:srgbClr val="FF0000"/>
+                </a:solidFill>
+              </a:rPr>
               <a:t>절을 이용하여 그룹 대상을 먼저 선택한다</a:t>
             </a:r>
             <a:r>
+              <a:rPr lang="en-US" altLang="ko-KR" b="1" dirty="0" smtClean="0">
+                <a:solidFill>
+                  <a:srgbClr val="FF0000"/>
+                </a:solidFill>
+              </a:rPr>
+              <a:t>. (</a:t>
+            </a:r>
+            <a:r>
+              <a:rPr lang="ko-KR" altLang="en-US" b="1" dirty="0" smtClean="0">
+                <a:solidFill>
+                  <a:srgbClr val="FF0000"/>
+                </a:solidFill>
+              </a:rPr>
+              <a:t>가능하면</a:t>
+            </a:r>
+            <a:r>
+              <a:rPr lang="en-US" altLang="ko-KR" b="1" dirty="0" smtClean="0">
+                <a:solidFill>
+                  <a:srgbClr val="FF0000"/>
+                </a:solidFill>
+              </a:rPr>
+              <a:t>)</a:t>
+            </a:r>
+            <a:endParaRPr lang="en-US" altLang="ko-KR" b="1" dirty="0">
+              <a:solidFill>
+                <a:srgbClr val="FF0000"/>
+              </a:solidFill>
+            </a:endParaRPr>
+          </a:p>
+          <a:p>
+            <a:pPr lvl="2"/>
+            <a:r>
+              <a:rPr lang="en-US" altLang="ko-KR" b="1" dirty="0" smtClean="0"/>
+              <a:t>GROUP BY </a:t>
+            </a:r>
+            <a:r>
+              <a:rPr lang="ko-KR" altLang="en-US" b="1" dirty="0" smtClean="0"/>
+              <a:t>절에는 반드시 칼럼 이름을 포함해야 한다</a:t>
+            </a:r>
+            <a:r>
+              <a:rPr lang="en-US" altLang="ko-KR" b="1" dirty="0" smtClean="0"/>
+              <a:t>. (</a:t>
+            </a:r>
+            <a:r>
+              <a:rPr lang="ko-KR" altLang="en-US" b="1" dirty="0" smtClean="0"/>
+              <a:t>칼럼의 별명은 사용할 수 없다</a:t>
+            </a:r>
+            <a:r>
+              <a:rPr lang="en-US" altLang="ko-KR" b="1" dirty="0" smtClean="0"/>
+              <a:t>.)</a:t>
+            </a:r>
+          </a:p>
+          <a:p>
+            <a:pPr lvl="2"/>
+            <a:r>
+              <a:rPr lang="ko-KR" altLang="en-US" dirty="0" smtClean="0"/>
+              <a:t>그룹화 된 칼럼은 기본적으로 오름차순으로 출력된다</a:t>
+            </a:r>
+            <a:r>
               <a:rPr lang="en-US" altLang="ko-KR" dirty="0" smtClean="0"/>
               <a:t>.</a:t>
             </a:r>
@@ -4814,58 +5242,23 @@
           <a:p>
             <a:pPr lvl="2"/>
             <a:r>
-              <a:rPr lang="en-US" altLang="ko-KR" dirty="0" smtClean="0"/>
+              <a:rPr lang="en-US" altLang="ko-KR" b="1" dirty="0" smtClean="0"/>
+              <a:t>SELECT </a:t>
+            </a:r>
+            <a:r>
+              <a:rPr lang="ko-KR" altLang="en-US" b="1" dirty="0" smtClean="0"/>
+              <a:t>절에서 나열된 칼럼 이름은 </a:t>
+            </a:r>
+            <a:r>
+              <a:rPr lang="en-US" altLang="ko-KR" b="1" dirty="0" smtClean="0"/>
               <a:t>GROUP BY </a:t>
             </a:r>
             <a:r>
-              <a:rPr lang="ko-KR" altLang="en-US" dirty="0" smtClean="0"/>
-              <a:t>절에는 반드시 칼럼 이름을 포함해야 한다</a:t>
-            </a:r>
-            <a:r>
-              <a:rPr lang="en-US" altLang="ko-KR" dirty="0" smtClean="0"/>
-              <a:t>. (</a:t>
-            </a:r>
-            <a:r>
-              <a:rPr lang="ko-KR" altLang="en-US" dirty="0" smtClean="0"/>
-              <a:t>칼럼의 별명은 사용할 수 없다</a:t>
-            </a:r>
-            <a:r>
-              <a:rPr lang="en-US" altLang="ko-KR" dirty="0" smtClean="0"/>
-              <a:t>.)</a:t>
-            </a:r>
-          </a:p>
-          <a:p>
-            <a:pPr lvl="2"/>
-            <a:r>
-              <a:rPr lang="ko-KR" altLang="en-US" dirty="0" smtClean="0"/>
-              <a:t>그룹화 된 칼럼은 기본적으로 오름차순으로 출력된다</a:t>
-            </a:r>
-            <a:r>
-              <a:rPr lang="en-US" altLang="ko-KR" dirty="0" smtClean="0"/>
-              <a:t>.</a:t>
-            </a:r>
-            <a:endParaRPr lang="en-US" altLang="ko-KR" dirty="0"/>
-          </a:p>
-          <a:p>
-            <a:pPr lvl="2"/>
-            <a:r>
-              <a:rPr lang="en-US" altLang="ko-KR" dirty="0" smtClean="0"/>
-              <a:t>SELECT </a:t>
-            </a:r>
-            <a:r>
-              <a:rPr lang="ko-KR" altLang="en-US" dirty="0" smtClean="0"/>
-              <a:t>절에서 나열된 칼럼 이름은 </a:t>
-            </a:r>
-            <a:r>
-              <a:rPr lang="en-US" altLang="ko-KR" dirty="0" smtClean="0"/>
-              <a:t>GROUP BY </a:t>
-            </a:r>
-            <a:r>
-              <a:rPr lang="ko-KR" altLang="en-US" dirty="0" smtClean="0"/>
+              <a:rPr lang="ko-KR" altLang="en-US" b="1" dirty="0" smtClean="0"/>
               <a:t>절에서 반드시 사용해야 한다</a:t>
             </a:r>
             <a:r>
-              <a:rPr lang="en-US" altLang="ko-KR" dirty="0" smtClean="0"/>
+              <a:rPr lang="en-US" altLang="ko-KR" b="1" dirty="0" smtClean="0"/>
               <a:t>.</a:t>
             </a:r>
           </a:p>
@@ -6101,6 +6494,52 @@
               <a:t>NO!</a:t>
             </a:r>
             <a:endParaRPr lang="ko-KR" altLang="en-US" sz="1600" b="1" dirty="0"/>
+          </a:p>
+        </p:txBody>
+      </p:sp>
+      <p:sp>
+        <p:nvSpPr>
+          <p:cNvPr id="18" name="직사각형 17"/>
+          <p:cNvSpPr/>
+          <p:nvPr/>
+        </p:nvSpPr>
+        <p:spPr>
+          <a:xfrm>
+            <a:off x="4788024" y="1988840"/>
+            <a:ext cx="3600400" cy="1368152"/>
+          </a:xfrm>
+          <a:prstGeom prst="rect">
+            <a:avLst/>
+          </a:prstGeom>
+          <a:noFill/>
+          <a:ln w="38100">
+            <a:solidFill>
+              <a:srgbClr val="FF0000"/>
+            </a:solidFill>
+          </a:ln>
+        </p:spPr>
+        <p:style>
+          <a:lnRef idx="2">
+            <a:schemeClr val="accent1">
+              <a:shade val="50000"/>
+            </a:schemeClr>
+          </a:lnRef>
+          <a:fillRef idx="1">
+            <a:schemeClr val="accent1"/>
+          </a:fillRef>
+          <a:effectRef idx="0">
+            <a:schemeClr val="accent1"/>
+          </a:effectRef>
+          <a:fontRef idx="minor">
+            <a:schemeClr val="lt1"/>
+          </a:fontRef>
+        </p:style>
+        <p:txBody>
+          <a:bodyPr rtlCol="0" anchor="ctr"/>
+          <a:lstStyle/>
+          <a:p>
+            <a:pPr algn="ctr"/>
+            <a:endParaRPr lang="ko-KR" altLang="en-US"/>
           </a:p>
         </p:txBody>
       </p:sp>
@@ -7310,6 +7749,122 @@
           </a:p>
         </p:txBody>
       </p:sp>
+      <p:sp>
+        <p:nvSpPr>
+          <p:cNvPr id="7" name="타원 6"/>
+          <p:cNvSpPr/>
+          <p:nvPr/>
+        </p:nvSpPr>
+        <p:spPr>
+          <a:xfrm>
+            <a:off x="597110" y="3501008"/>
+            <a:ext cx="283408" cy="288032"/>
+          </a:xfrm>
+          <a:prstGeom prst="ellipse">
+            <a:avLst/>
+          </a:prstGeom>
+          <a:noFill/>
+          <a:ln>
+            <a:solidFill>
+              <a:srgbClr val="FF0000"/>
+            </a:solidFill>
+          </a:ln>
+        </p:spPr>
+        <p:style>
+          <a:lnRef idx="2">
+            <a:schemeClr val="accent1">
+              <a:shade val="50000"/>
+            </a:schemeClr>
+          </a:lnRef>
+          <a:fillRef idx="1">
+            <a:schemeClr val="accent1"/>
+          </a:fillRef>
+          <a:effectRef idx="0">
+            <a:schemeClr val="accent1"/>
+          </a:effectRef>
+          <a:fontRef idx="minor">
+            <a:schemeClr val="lt1"/>
+          </a:fontRef>
+        </p:style>
+        <p:txBody>
+          <a:bodyPr rtlCol="0" anchor="ctr"/>
+          <a:lstStyle/>
+          <a:p>
+            <a:pPr algn="ctr"/>
+            <a:endParaRPr lang="ko-KR" altLang="en-US"/>
+          </a:p>
+        </p:txBody>
+      </p:sp>
+      <p:cxnSp>
+        <p:nvCxnSpPr>
+          <p:cNvPr id="9" name="직선 연결선 8"/>
+          <p:cNvCxnSpPr/>
+          <p:nvPr/>
+        </p:nvCxnSpPr>
+        <p:spPr>
+          <a:xfrm>
+            <a:off x="654668" y="4254612"/>
+            <a:ext cx="225439" cy="254591"/>
+          </a:xfrm>
+          <a:prstGeom prst="line">
+            <a:avLst/>
+          </a:prstGeom>
+          <a:ln w="28575">
+            <a:solidFill>
+              <a:srgbClr val="FF0000"/>
+            </a:solidFill>
+          </a:ln>
+        </p:spPr>
+        <p:style>
+          <a:lnRef idx="1">
+            <a:schemeClr val="accent1"/>
+          </a:lnRef>
+          <a:fillRef idx="0">
+            <a:schemeClr val="accent1"/>
+          </a:fillRef>
+          <a:effectRef idx="0">
+            <a:schemeClr val="accent1"/>
+          </a:effectRef>
+          <a:fontRef idx="minor">
+            <a:schemeClr val="tx1"/>
+          </a:fontRef>
+        </p:style>
+      </p:cxnSp>
+      <p:cxnSp>
+        <p:nvCxnSpPr>
+          <p:cNvPr id="11" name="직선 연결선 10"/>
+          <p:cNvCxnSpPr/>
+          <p:nvPr/>
+        </p:nvCxnSpPr>
+        <p:spPr>
+          <a:xfrm flipV="1">
+            <a:off x="611560" y="4254612"/>
+            <a:ext cx="268547" cy="254591"/>
+          </a:xfrm>
+          <a:prstGeom prst="line">
+            <a:avLst/>
+          </a:prstGeom>
+          <a:ln w="28575">
+            <a:solidFill>
+              <a:srgbClr val="FF0000"/>
+            </a:solidFill>
+          </a:ln>
+        </p:spPr>
+        <p:style>
+          <a:lnRef idx="1">
+            <a:schemeClr val="accent1"/>
+          </a:lnRef>
+          <a:fillRef idx="0">
+            <a:schemeClr val="accent1"/>
+          </a:fillRef>
+          <a:effectRef idx="0">
+            <a:schemeClr val="accent1"/>
+          </a:effectRef>
+          <a:fontRef idx="minor">
+            <a:schemeClr val="tx1"/>
+          </a:fontRef>
+        </p:style>
+      </p:cxnSp>
     </p:spTree>
     <p:extLst>
       <p:ext uri="{BB962C8B-B14F-4D97-AF65-F5344CB8AC3E}">
